--- a/Project 1 - Data Analysis of Singapore Weather Patterns to Identify Means to Optimise Households Energy Consumption by Town.pptx
+++ b/Project 1 - Data Analysis of Singapore Weather Patterns to Identify Means to Optimise Households Energy Consumption by Town.pptx
@@ -13518,12 +13518,14 @@
           </a:xfrm>
         </p:spPr>
         <p:txBody>
-          <a:bodyPr/>
+          <a:bodyPr>
+            <a:normAutofit fontScale="90000"/>
+          </a:bodyPr>
           <a:lstStyle/>
           <a:p>
             <a:r>
               <a:rPr lang="en-US" dirty="0"/>
-              <a:t>Summary of Insights</a:t>
+              <a:t>Summary of Recommendations</a:t>
             </a:r>
           </a:p>
         </p:txBody>

--- a/Project 1 - Data Analysis of Singapore Weather Patterns to Identify Means to Optimise Households Energy Consumption by Town.pptx
+++ b/Project 1 - Data Analysis of Singapore Weather Patterns to Identify Means to Optimise Households Energy Consumption by Town.pptx
@@ -14416,41 +14416,53 @@
           </a:p>
         </p:txBody>
       </p:sp>
-      <p:pic>
-        <p:nvPicPr>
-          <p:cNvPr id="14" name="Picture 13">
+      <p:sp>
+        <p:nvSpPr>
+          <p:cNvPr id="2" name="Rectangle: Rounded Corners 1">
             <a:extLst>
               <a:ext uri="{FF2B5EF4-FFF2-40B4-BE49-F238E27FC236}">
-                <a16:creationId xmlns:a16="http://schemas.microsoft.com/office/drawing/2014/main" id="{A0F217C4-CBD2-28E8-EE7C-A09BB2AB3728}"/>
+                <a16:creationId xmlns:a16="http://schemas.microsoft.com/office/drawing/2014/main" id="{F84259D2-8E40-D3D8-65B8-B874A69336B6}"/>
               </a:ext>
             </a:extLst>
           </p:cNvPr>
-          <p:cNvPicPr>
-            <a:picLocks noChangeAspect="1"/>
-          </p:cNvPicPr>
+          <p:cNvSpPr/>
           <p:nvPr/>
-        </p:nvPicPr>
-        <p:blipFill rotWithShape="1">
-          <a:blip r:embed="rId8" cstate="print">
-            <a:extLst>
-              <a:ext uri="{28A0092B-C50C-407E-A947-70E740481C1C}">
-                <a14:useLocalDpi xmlns:a14="http://schemas.microsoft.com/office/drawing/2010/main" val="0"/>
-              </a:ext>
-            </a:extLst>
-          </a:blip>
-          <a:srcRect l="10772" t="12543" r="13673" b="17770"/>
-          <a:stretch/>
-        </p:blipFill>
+        </p:nvSpPr>
         <p:spPr>
           <a:xfrm>
-            <a:off x="228600" y="380802"/>
-            <a:ext cx="1709928" cy="1676400"/>
+            <a:off x="162744" y="1733550"/>
+            <a:ext cx="2071899" cy="2267148"/>
           </a:xfrm>
-          <a:prstGeom prst="ellipse">
+          <a:prstGeom prst="roundRect">
             <a:avLst/>
           </a:prstGeom>
         </p:spPr>
-      </p:pic>
+        <p:style>
+          <a:lnRef idx="2">
+            <a:schemeClr val="dk1"/>
+          </a:lnRef>
+          <a:fillRef idx="1">
+            <a:schemeClr val="lt1"/>
+          </a:fillRef>
+          <a:effectRef idx="0">
+            <a:schemeClr val="dk1"/>
+          </a:effectRef>
+          <a:fontRef idx="minor">
+            <a:schemeClr val="dk1"/>
+          </a:fontRef>
+        </p:style>
+        <p:txBody>
+          <a:bodyPr rtlCol="0" anchor="ctr"/>
+          <a:lstStyle/>
+          <a:p>
+            <a:pPr algn="ctr"/>
+            <a:r>
+              <a:rPr lang="en-US" sz="2800" dirty="0"/>
+              <a:t>Who am I?</a:t>
+            </a:r>
+          </a:p>
+        </p:txBody>
+      </p:sp>
     </p:spTree>
     <p:extLst>
       <p:ext uri="{BB962C8B-B14F-4D97-AF65-F5344CB8AC3E}">
